--- a/markdown/publish3.pptx
+++ b/markdown/publish3.pptx
@@ -126,6 +126,22 @@
       </a:defRPr>
     </a:lvl9pPr>
   </p:defaultTextStyle>
+  <p:extLst>
+    <p:ext uri="{EFAFB233-063F-42B5-8137-9DF3F51BA10A}">
+      <p15:sldGuideLst xmlns:p15="http://schemas.microsoft.com/office/powerpoint/2012/main" xmlns="">
+        <p15:guide id="1" orient="horz" pos="2160">
+          <p15:clr>
+            <a:srgbClr val="A4A3A4"/>
+          </p15:clr>
+        </p15:guide>
+        <p15:guide id="2" pos="2880">
+          <p15:clr>
+            <a:srgbClr val="A4A3A4"/>
+          </p15:clr>
+        </p15:guide>
+      </p15:sldGuideLst>
+    </p:ext>
+  </p:extLst>
 </p:presentation>
 </file>
 
@@ -381,6 +397,11 @@
         </p:txBody>
       </p:sp>
     </p:spTree>
+    <p:extLst>
+      <p:ext uri="{BB962C8B-B14F-4D97-AF65-F5344CB8AC3E}">
+        <p14:creationId xmlns:p14="http://schemas.microsoft.com/office/powerpoint/2010/main" xmlns="" val="1542668709"/>
+      </p:ext>
+    </p:extLst>
   </p:cSld>
   <p:clrMap bg1="lt1" tx1="dk1" bg2="lt2" tx2="dk2" accent1="accent1" accent2="accent2" accent3="accent3" accent4="accent4" accent5="accent5" accent6="accent6" hlink="hlink" folHlink="folHlink"/>
   <p:notesStyle>
@@ -524,34 +545,6 @@
           </a:bodyPr>
           <a:lstStyle/>
           <a:p>
-            <a:r>
-              <a:rPr lang="zh-CN" altLang="en-US" dirty="0" smtClean="0"/>
-              <a:t>可移植性后端模板引擎变化多端</a:t>
-            </a:r>
-            <a:r>
-              <a:rPr lang="en-US" altLang="zh-CN" dirty="0" smtClean="0"/>
-              <a:t>java</a:t>
-            </a:r>
-            <a:r>
-              <a:rPr lang="zh-CN" altLang="en-US" dirty="0" smtClean="0"/>
-              <a:t>，</a:t>
-            </a:r>
-            <a:r>
-              <a:rPr lang="en-US" altLang="zh-CN" dirty="0" smtClean="0"/>
-              <a:t>php</a:t>
-            </a:r>
-            <a:r>
-              <a:rPr lang="zh-CN" altLang="en-US" dirty="0" smtClean="0"/>
-              <a:t>，</a:t>
-            </a:r>
-            <a:r>
-              <a:rPr lang="en-US" altLang="zh-CN" dirty="0" smtClean="0"/>
-              <a:t>python</a:t>
-            </a:r>
-            <a:r>
-              <a:rPr lang="zh-CN" altLang="en-US" dirty="0" smtClean="0"/>
-              <a:t>存在各种模板引擎，需要迁移的时候伤筋动骨，改动成本高。</a:t>
-            </a:r>
             <a:endParaRPr lang="zh-CN" altLang="en-US" dirty="0"/>
           </a:p>
         </p:txBody>
@@ -574,7 +567,171 @@
             <a:fld id="{1DDD7A27-0AF6-470B-8715-7973CBEE6DFD}" type="slidenum">
               <a:rPr lang="zh-CN" altLang="en-US" smtClean="0"/>
               <a:pPr/>
-              <a:t>8</a:t>
+              <a:t>6</a:t>
+            </a:fld>
+            <a:endParaRPr lang="zh-CN" altLang="en-US"/>
+          </a:p>
+        </p:txBody>
+      </p:sp>
+    </p:spTree>
+  </p:cSld>
+  <p:clrMapOvr>
+    <a:masterClrMapping/>
+  </p:clrMapOvr>
+</p:notes>
+</file>
+
+<file path=ppt/notesSlides/notesSlide10.xml><?xml version="1.0" encoding="utf-8"?>
+<p:notes xmlns:a="http://schemas.openxmlformats.org/drawingml/2006/main" xmlns:r="http://schemas.openxmlformats.org/officeDocument/2006/relationships" xmlns:p="http://schemas.openxmlformats.org/presentationml/2006/main">
+  <p:cSld>
+    <p:spTree>
+      <p:nvGrpSpPr>
+        <p:cNvPr id="1" name=""/>
+        <p:cNvGrpSpPr/>
+        <p:nvPr/>
+      </p:nvGrpSpPr>
+      <p:grpSpPr>
+        <a:xfrm>
+          <a:off x="0" y="0"/>
+          <a:ext cx="0" cy="0"/>
+          <a:chOff x="0" y="0"/>
+          <a:chExt cx="0" cy="0"/>
+        </a:xfrm>
+      </p:grpSpPr>
+      <p:sp>
+        <p:nvSpPr>
+          <p:cNvPr id="2" name="幻灯片图像占位符 1"/>
+          <p:cNvSpPr>
+            <a:spLocks noGrp="1" noRot="1" noChangeAspect="1"/>
+          </p:cNvSpPr>
+          <p:nvPr>
+            <p:ph type="sldImg"/>
+          </p:nvPr>
+        </p:nvSpPr>
+        <p:spPr/>
+      </p:sp>
+      <p:sp>
+        <p:nvSpPr>
+          <p:cNvPr id="3" name="备注占位符 2"/>
+          <p:cNvSpPr>
+            <a:spLocks noGrp="1"/>
+          </p:cNvSpPr>
+          <p:nvPr>
+            <p:ph type="body" idx="1"/>
+          </p:nvPr>
+        </p:nvSpPr>
+        <p:spPr/>
+        <p:txBody>
+          <a:bodyPr>
+            <a:normAutofit/>
+          </a:bodyPr>
+          <a:lstStyle/>
+          <a:p>
+            <a:endParaRPr lang="zh-CN" altLang="en-US" dirty="0"/>
+          </a:p>
+        </p:txBody>
+      </p:sp>
+      <p:sp>
+        <p:nvSpPr>
+          <p:cNvPr id="4" name="灯片编号占位符 3"/>
+          <p:cNvSpPr>
+            <a:spLocks noGrp="1"/>
+          </p:cNvSpPr>
+          <p:nvPr>
+            <p:ph type="sldNum" sz="quarter" idx="10"/>
+          </p:nvPr>
+        </p:nvSpPr>
+        <p:spPr/>
+        <p:txBody>
+          <a:bodyPr/>
+          <a:lstStyle/>
+          <a:p>
+            <a:fld id="{1DDD7A27-0AF6-470B-8715-7973CBEE6DFD}" type="slidenum">
+              <a:rPr lang="zh-CN" altLang="en-US" smtClean="0"/>
+              <a:pPr/>
+              <a:t>19</a:t>
+            </a:fld>
+            <a:endParaRPr lang="zh-CN" altLang="en-US"/>
+          </a:p>
+        </p:txBody>
+      </p:sp>
+    </p:spTree>
+  </p:cSld>
+  <p:clrMapOvr>
+    <a:masterClrMapping/>
+  </p:clrMapOvr>
+</p:notes>
+</file>
+
+<file path=ppt/notesSlides/notesSlide11.xml><?xml version="1.0" encoding="utf-8"?>
+<p:notes xmlns:a="http://schemas.openxmlformats.org/drawingml/2006/main" xmlns:r="http://schemas.openxmlformats.org/officeDocument/2006/relationships" xmlns:p="http://schemas.openxmlformats.org/presentationml/2006/main">
+  <p:cSld>
+    <p:spTree>
+      <p:nvGrpSpPr>
+        <p:cNvPr id="1" name=""/>
+        <p:cNvGrpSpPr/>
+        <p:nvPr/>
+      </p:nvGrpSpPr>
+      <p:grpSpPr>
+        <a:xfrm>
+          <a:off x="0" y="0"/>
+          <a:ext cx="0" cy="0"/>
+          <a:chOff x="0" y="0"/>
+          <a:chExt cx="0" cy="0"/>
+        </a:xfrm>
+      </p:grpSpPr>
+      <p:sp>
+        <p:nvSpPr>
+          <p:cNvPr id="2" name="幻灯片图像占位符 1"/>
+          <p:cNvSpPr>
+            <a:spLocks noGrp="1" noRot="1" noChangeAspect="1"/>
+          </p:cNvSpPr>
+          <p:nvPr>
+            <p:ph type="sldImg"/>
+          </p:nvPr>
+        </p:nvSpPr>
+        <p:spPr/>
+      </p:sp>
+      <p:sp>
+        <p:nvSpPr>
+          <p:cNvPr id="3" name="备注占位符 2"/>
+          <p:cNvSpPr>
+            <a:spLocks noGrp="1"/>
+          </p:cNvSpPr>
+          <p:nvPr>
+            <p:ph type="body" idx="1"/>
+          </p:nvPr>
+        </p:nvSpPr>
+        <p:spPr/>
+        <p:txBody>
+          <a:bodyPr>
+            <a:normAutofit/>
+          </a:bodyPr>
+          <a:lstStyle/>
+          <a:p>
+            <a:endParaRPr lang="zh-CN" altLang="en-US" dirty="0"/>
+          </a:p>
+        </p:txBody>
+      </p:sp>
+      <p:sp>
+        <p:nvSpPr>
+          <p:cNvPr id="4" name="灯片编号占位符 3"/>
+          <p:cNvSpPr>
+            <a:spLocks noGrp="1"/>
+          </p:cNvSpPr>
+          <p:nvPr>
+            <p:ph type="sldNum" sz="quarter" idx="10"/>
+          </p:nvPr>
+        </p:nvSpPr>
+        <p:spPr/>
+        <p:txBody>
+          <a:bodyPr/>
+          <a:lstStyle/>
+          <a:p>
+            <a:fld id="{1DDD7A27-0AF6-470B-8715-7973CBEE6DFD}" type="slidenum">
+              <a:rPr lang="zh-CN" altLang="en-US" smtClean="0"/>
+              <a:pPr/>
+              <a:t>20</a:t>
             </a:fld>
             <a:endParaRPr lang="zh-CN" altLang="en-US"/>
           </a:p>
@@ -629,11 +786,57 @@
         </p:nvSpPr>
         <p:spPr/>
         <p:txBody>
-          <a:bodyPr>
-            <a:normAutofit/>
-          </a:bodyPr>
-          <a:lstStyle/>
-          <a:p>
+          <a:bodyPr/>
+          <a:lstStyle/>
+          <a:p>
+            <a:r>
+              <a:rPr lang="zh-CN" altLang="en-US" dirty="0" smtClean="0"/>
+              <a:t>具</a:t>
+            </a:r>
+            <a:r>
+              <a:rPr lang="zh-CN" altLang="en-US" dirty="0" smtClean="0"/>
+              <a:t>体来说，通常前端会在本地先写好</a:t>
+            </a:r>
+            <a:r>
+              <a:rPr lang="en-US" altLang="zh-CN" dirty="0" smtClean="0"/>
+              <a:t>Demo</a:t>
+            </a:r>
+            <a:r>
+              <a:rPr lang="zh-CN" altLang="en-US" dirty="0" smtClean="0"/>
+              <a:t>并跑通前端逻辑，之后再将</a:t>
+            </a:r>
+            <a:r>
+              <a:rPr lang="en-US" altLang="zh-CN" dirty="0" smtClean="0"/>
+              <a:t>html</a:t>
+            </a:r>
+            <a:r>
+              <a:rPr lang="zh-CN" altLang="en-US" dirty="0" smtClean="0"/>
+              <a:t>文件交给后端开发套模板。正式基于这样的开发模式，导致了总工作量的增加，同时沟通和联调成本的消耗也十分显著</a:t>
+            </a:r>
+            <a:r>
+              <a:rPr lang="zh-CN" altLang="en-US" dirty="0" smtClean="0"/>
+              <a:t>。</a:t>
+            </a:r>
+            <a:endParaRPr lang="en-US" altLang="zh-CN" dirty="0" smtClean="0"/>
+          </a:p>
+          <a:p>
+            <a:endParaRPr lang="en-US" altLang="zh-CN" dirty="0" smtClean="0"/>
+          </a:p>
+          <a:p>
+            <a:r>
+              <a:rPr lang="zh-CN" altLang="en-US" dirty="0" smtClean="0"/>
+              <a:t>修改页面有时候需要刷新</a:t>
+            </a:r>
+            <a:endParaRPr lang="en-US" altLang="zh-CN" dirty="0" smtClean="0"/>
+          </a:p>
+          <a:p>
+            <a:endParaRPr lang="en-US" altLang="zh-CN" dirty="0" smtClean="0"/>
+          </a:p>
+          <a:p>
+            <a:r>
+              <a:rPr lang="zh-CN" altLang="en-US" dirty="0" smtClean="0"/>
+              <a:t>无刷新热加载</a:t>
+            </a:r>
             <a:endParaRPr lang="zh-CN" altLang="en-US" dirty="0"/>
           </a:p>
         </p:txBody>
@@ -656,13 +859,18 @@
             <a:fld id="{1DDD7A27-0AF6-470B-8715-7973CBEE6DFD}" type="slidenum">
               <a:rPr lang="zh-CN" altLang="en-US" smtClean="0"/>
               <a:pPr/>
-              <a:t>12</a:t>
+              <a:t>7</a:t>
             </a:fld>
             <a:endParaRPr lang="zh-CN" altLang="en-US"/>
           </a:p>
         </p:txBody>
       </p:sp>
     </p:spTree>
+    <p:extLst>
+      <p:ext uri="{BB962C8B-B14F-4D97-AF65-F5344CB8AC3E}">
+        <p14:creationId xmlns:p14="http://schemas.microsoft.com/office/powerpoint/2010/main" xmlns="" val="2424870259"/>
+      </p:ext>
+    </p:extLst>
   </p:cSld>
   <p:clrMapOvr>
     <a:masterClrMapping/>
@@ -717,104 +925,32 @@
           <a:lstStyle/>
           <a:p>
             <a:r>
+              <a:rPr lang="zh-CN" altLang="en-US" dirty="0" smtClean="0"/>
+              <a:t>可移植性后端模板引擎变化多端</a:t>
+            </a:r>
+            <a:r>
               <a:rPr lang="en-US" altLang="zh-CN" dirty="0" smtClean="0"/>
-              <a:t>&lt;!-- jquery 2006 ; es5 2009 ; es6 2015; es8 2017 --&gt;</a:t>
-            </a:r>
-          </a:p>
-          <a:p>
+              <a:t>java</a:t>
+            </a:r>
+            <a:r>
+              <a:rPr lang="zh-CN" altLang="en-US" dirty="0" smtClean="0"/>
+              <a:t>，</a:t>
+            </a:r>
             <a:r>
               <a:rPr lang="en-US" altLang="zh-CN" dirty="0" smtClean="0"/>
-              <a:t>&lt;!-- jQuery</a:t>
+              <a:t>php</a:t>
             </a:r>
             <a:r>
               <a:rPr lang="zh-CN" altLang="en-US" dirty="0" smtClean="0"/>
-              <a:t>的劣势也非常明显，因为需要各种兼容所以代码显得特别重 </a:t>
+              <a:t>，</a:t>
             </a:r>
             <a:r>
               <a:rPr lang="en-US" altLang="zh-CN" dirty="0" smtClean="0"/>
-              <a:t>--&gt;</a:t>
-            </a:r>
-          </a:p>
-          <a:p>
-            <a:r>
-              <a:rPr lang="en-US" altLang="zh-CN" dirty="0" smtClean="0"/>
-              <a:t>&lt;!-- </a:t>
+              <a:t>python</a:t>
             </a:r>
             <a:r>
               <a:rPr lang="zh-CN" altLang="en-US" dirty="0" smtClean="0"/>
-              <a:t>另外就是全</a:t>
-            </a:r>
-            <a:r>
-              <a:rPr lang="en-US" altLang="zh-CN" dirty="0" smtClean="0"/>
-              <a:t>DOM</a:t>
-            </a:r>
-            <a:r>
-              <a:rPr lang="zh-CN" altLang="en-US" dirty="0" smtClean="0"/>
-              <a:t>操作，钩子往往会依赖标签，如果依赖</a:t>
-            </a:r>
-            <a:r>
-              <a:rPr lang="en-US" altLang="zh-CN" dirty="0" smtClean="0"/>
-              <a:t>jQuery</a:t>
-            </a:r>
-            <a:r>
-              <a:rPr lang="zh-CN" altLang="en-US" dirty="0" smtClean="0"/>
-              <a:t>来搭建页面的话（比如后台输出</a:t>
-            </a:r>
-            <a:r>
-              <a:rPr lang="en-US" altLang="zh-CN" dirty="0" smtClean="0"/>
-              <a:t>json</a:t>
-            </a:r>
-            <a:r>
-              <a:rPr lang="zh-CN" altLang="en-US" dirty="0" smtClean="0"/>
-              <a:t>，然后</a:t>
-            </a:r>
-            <a:r>
-              <a:rPr lang="en-US" altLang="zh-CN" dirty="0" smtClean="0"/>
-              <a:t>jQuery loop</a:t>
-            </a:r>
-            <a:r>
-              <a:rPr lang="zh-CN" altLang="en-US" dirty="0" smtClean="0"/>
-              <a:t>一个列表出来），维护上会有困难。如果一改页面结构，很多依赖标签的选择器，一改起来</a:t>
-            </a:r>
-            <a:r>
-              <a:rPr lang="en-US" altLang="zh-CN" dirty="0" smtClean="0"/>
-              <a:t>js</a:t>
-            </a:r>
-            <a:r>
-              <a:rPr lang="zh-CN" altLang="en-US" dirty="0" smtClean="0"/>
-              <a:t>那块就得跟着大改，代码维护成本高。随着业务复杂度的增加、</a:t>
-            </a:r>
-            <a:r>
-              <a:rPr lang="en-US" altLang="zh-CN" dirty="0" smtClean="0"/>
-              <a:t>jQuery</a:t>
-            </a:r>
-            <a:r>
-              <a:rPr lang="zh-CN" altLang="en-US" dirty="0" smtClean="0"/>
-              <a:t>写起来的项目复杂度是指数级增加的。</a:t>
-            </a:r>
-          </a:p>
-          <a:p>
-            <a:r>
-              <a:rPr lang="zh-CN" altLang="en-US" dirty="0" smtClean="0"/>
-              <a:t>频繁操作</a:t>
-            </a:r>
-            <a:r>
-              <a:rPr lang="en-US" altLang="zh-CN" dirty="0" smtClean="0"/>
-              <a:t>dom </a:t>
-            </a:r>
-            <a:r>
-              <a:rPr lang="zh-CN" altLang="en-US" dirty="0" smtClean="0"/>
-              <a:t>元素，性能问题。</a:t>
-            </a:r>
-          </a:p>
-          <a:p>
-            <a:r>
-              <a:rPr lang="zh-CN" altLang="en-US" dirty="0" smtClean="0"/>
-              <a:t> </a:t>
-            </a:r>
-            <a:r>
-              <a:rPr lang="en-US" altLang="zh-CN" dirty="0" smtClean="0"/>
-              <a:t>--&gt;</a:t>
+              <a:t>存在各种模板引擎，需要迁移的时候伤筋动骨，改动成本高。</a:t>
             </a:r>
             <a:endParaRPr lang="zh-CN" altLang="en-US" dirty="0"/>
           </a:p>
@@ -838,13 +974,18 @@
             <a:fld id="{1DDD7A27-0AF6-470B-8715-7973CBEE6DFD}" type="slidenum">
               <a:rPr lang="zh-CN" altLang="en-US" smtClean="0"/>
               <a:pPr/>
-              <a:t>13</a:t>
+              <a:t>8</a:t>
             </a:fld>
             <a:endParaRPr lang="zh-CN" altLang="en-US"/>
           </a:p>
         </p:txBody>
       </p:sp>
     </p:spTree>
+    <p:extLst>
+      <p:ext uri="{BB962C8B-B14F-4D97-AF65-F5344CB8AC3E}">
+        <p14:creationId xmlns:p14="http://schemas.microsoft.com/office/powerpoint/2010/main" xmlns="" val="3350673205"/>
+      </p:ext>
+    </p:extLst>
   </p:cSld>
   <p:clrMapOvr>
     <a:masterClrMapping/>
@@ -893,114 +1034,66 @@
         </p:nvSpPr>
         <p:spPr/>
         <p:txBody>
-          <a:bodyPr>
-            <a:normAutofit/>
-          </a:bodyPr>
-          <a:lstStyle/>
-          <a:p>
-            <a:pPr marL="0" marR="0" indent="0" algn="l" defTabSz="914400" rtl="0" eaLnBrk="1" fontAlgn="auto" latinLnBrk="0" hangingPunct="1">
-              <a:lnSpc>
-                <a:spcPct val="100000"/>
-              </a:lnSpc>
-              <a:spcBef>
-                <a:spcPts val="0"/>
-              </a:spcBef>
-              <a:spcAft>
-                <a:spcPts val="0"/>
-              </a:spcAft>
-              <a:buClrTx/>
-              <a:buSzTx/>
-              <a:buFontTx/>
-              <a:buNone/>
-              <a:tabLst/>
-              <a:defRPr/>
-            </a:pPr>
-            <a:r>
-              <a:rPr lang="en-US" altLang="zh-CN" sz="1200" dirty="0" smtClean="0"/>
-              <a:t>Vue.js</a:t>
-            </a:r>
-            <a:r>
-              <a:rPr lang="zh-CN" altLang="en-US" sz="1200" dirty="0" smtClean="0"/>
-              <a:t>是数据驱动的，你无需手动操作</a:t>
-            </a:r>
-            <a:r>
-              <a:rPr lang="en-US" altLang="zh-CN" sz="1200" dirty="0" smtClean="0"/>
-              <a:t>DOM</a:t>
-            </a:r>
-            <a:r>
-              <a:rPr lang="zh-CN" altLang="en-US" sz="1200" dirty="0" smtClean="0"/>
-              <a:t>。它通过一些特殊的</a:t>
-            </a:r>
-            <a:r>
-              <a:rPr lang="en-US" altLang="zh-CN" sz="1200" dirty="0" smtClean="0"/>
-              <a:t>HTML</a:t>
-            </a:r>
-            <a:r>
-              <a:rPr lang="zh-CN" altLang="en-US" sz="1200" dirty="0" smtClean="0"/>
-              <a:t>语法，将</a:t>
-            </a:r>
-            <a:r>
-              <a:rPr lang="en-US" altLang="zh-CN" sz="1200" dirty="0" smtClean="0"/>
-              <a:t>DOM</a:t>
-            </a:r>
-            <a:r>
-              <a:rPr lang="zh-CN" altLang="en-US" sz="1200" dirty="0" smtClean="0"/>
-              <a:t>和数据绑定起来。一旦你创建了绑定，</a:t>
-            </a:r>
-            <a:r>
-              <a:rPr lang="en-US" altLang="zh-CN" sz="1200" dirty="0" smtClean="0"/>
-              <a:t>DOM</a:t>
-            </a:r>
-            <a:r>
-              <a:rPr lang="zh-CN" altLang="en-US" sz="1200" dirty="0" smtClean="0"/>
-              <a:t>将和数据保持同步，每当变更了数据，</a:t>
-            </a:r>
-            <a:r>
-              <a:rPr lang="en-US" altLang="zh-CN" sz="1200" dirty="0" smtClean="0"/>
-              <a:t>DOM</a:t>
-            </a:r>
-            <a:r>
-              <a:rPr lang="zh-CN" altLang="en-US" sz="1200" dirty="0" smtClean="0"/>
-              <a:t>也会相应地更新。</a:t>
-            </a:r>
-          </a:p>
+          <a:bodyPr/>
+          <a:lstStyle/>
           <a:p>
             <a:r>
               <a:rPr lang="zh-CN" altLang="en-US" dirty="0" smtClean="0"/>
-              <a:t>其和</a:t>
+              <a:t>购物</a:t>
+            </a:r>
+            <a:r>
+              <a:rPr lang="zh-CN" altLang="en-US" dirty="0" smtClean="0"/>
+              <a:t>车</a:t>
+            </a:r>
+            <a:endParaRPr lang="en-US" altLang="zh-CN" dirty="0" smtClean="0"/>
+          </a:p>
+          <a:p>
+            <a:r>
+              <a:rPr lang="zh-CN" altLang="en-US" dirty="0" smtClean="0"/>
+              <a:t>知乎</a:t>
             </a:r>
             <a:r>
               <a:rPr lang="en-US" altLang="zh-CN" dirty="0" smtClean="0"/>
-              <a:t>jQuery</a:t>
+              <a:t>live </a:t>
             </a:r>
             <a:r>
               <a:rPr lang="zh-CN" altLang="en-US" dirty="0" smtClean="0"/>
-              <a:t>最大的不同点在于</a:t>
+              <a:t>就是用</a:t>
             </a:r>
             <a:r>
               <a:rPr lang="en-US" altLang="zh-CN" dirty="0" smtClean="0"/>
-              <a:t>jQuery</a:t>
+              <a:t>react </a:t>
             </a:r>
             <a:r>
               <a:rPr lang="zh-CN" altLang="en-US" dirty="0" smtClean="0"/>
-              <a:t>通过操作</a:t>
+              <a:t>做成的一个</a:t>
             </a:r>
             <a:r>
               <a:rPr lang="en-US" altLang="zh-CN" dirty="0" smtClean="0"/>
-              <a:t>DOM</a:t>
+              <a:t>SPA</a:t>
             </a:r>
             <a:r>
               <a:rPr lang="zh-CN" altLang="en-US" dirty="0" smtClean="0"/>
-              <a:t>来改变页面的显示，而</a:t>
+              <a:t>，</a:t>
+            </a:r>
+            <a:endParaRPr lang="en-US" altLang="zh-CN" dirty="0" smtClean="0"/>
+          </a:p>
+          <a:p>
+            <a:r>
+              <a:rPr lang="zh-CN" altLang="en-US" dirty="0" smtClean="0"/>
+              <a:t>美餐系</a:t>
+            </a:r>
+            <a:r>
+              <a:rPr lang="zh-CN" altLang="en-US" dirty="0" smtClean="0"/>
+              <a:t>统 </a:t>
             </a:r>
             <a:r>
               <a:rPr lang="en-US" altLang="zh-CN" dirty="0" smtClean="0"/>
-              <a:t>Vue</a:t>
-            </a:r>
-            <a:r>
-              <a:rPr lang="zh-CN" altLang="en-US" dirty="0" smtClean="0"/>
-              <a:t>通过操作数据来实现页面的更新与展示。</a:t>
-            </a:r>
+              <a:t>angular</a:t>
+            </a:r>
+            <a:endParaRPr lang="en-US" altLang="zh-CN" dirty="0" smtClean="0"/>
+          </a:p>
+          <a:p>
             <a:endParaRPr lang="zh-CN" altLang="en-US" dirty="0"/>
           </a:p>
         </p:txBody>
@@ -1023,13 +1116,18 @@
             <a:fld id="{1DDD7A27-0AF6-470B-8715-7973CBEE6DFD}" type="slidenum">
               <a:rPr lang="zh-CN" altLang="en-US" smtClean="0"/>
               <a:pPr/>
-              <a:t>14</a:t>
+              <a:t>10</a:t>
             </a:fld>
             <a:endParaRPr lang="zh-CN" altLang="en-US"/>
           </a:p>
         </p:txBody>
       </p:sp>
     </p:spTree>
+    <p:extLst>
+      <p:ext uri="{BB962C8B-B14F-4D97-AF65-F5344CB8AC3E}">
+        <p14:creationId xmlns:p14="http://schemas.microsoft.com/office/powerpoint/2010/main" xmlns="" val="2624653910"/>
+      </p:ext>
+    </p:extLst>
   </p:cSld>
   <p:clrMapOvr>
     <a:masterClrMapping/>
@@ -1105,7 +1203,667 @@
             <a:fld id="{1DDD7A27-0AF6-470B-8715-7973CBEE6DFD}" type="slidenum">
               <a:rPr lang="zh-CN" altLang="en-US" smtClean="0"/>
               <a:pPr/>
+              <a:t>12</a:t>
+            </a:fld>
+            <a:endParaRPr lang="zh-CN" altLang="en-US"/>
+          </a:p>
+        </p:txBody>
+      </p:sp>
+    </p:spTree>
+    <p:extLst>
+      <p:ext uri="{BB962C8B-B14F-4D97-AF65-F5344CB8AC3E}">
+        <p14:creationId xmlns:p14="http://schemas.microsoft.com/office/powerpoint/2010/main" xmlns="" val="100243829"/>
+      </p:ext>
+    </p:extLst>
+  </p:cSld>
+  <p:clrMapOvr>
+    <a:masterClrMapping/>
+  </p:clrMapOvr>
+</p:notes>
+</file>
+
+<file path=ppt/notesSlides/notesSlide6.xml><?xml version="1.0" encoding="utf-8"?>
+<p:notes xmlns:a="http://schemas.openxmlformats.org/drawingml/2006/main" xmlns:r="http://schemas.openxmlformats.org/officeDocument/2006/relationships" xmlns:p="http://schemas.openxmlformats.org/presentationml/2006/main">
+  <p:cSld>
+    <p:spTree>
+      <p:nvGrpSpPr>
+        <p:cNvPr id="1" name=""/>
+        <p:cNvGrpSpPr/>
+        <p:nvPr/>
+      </p:nvGrpSpPr>
+      <p:grpSpPr>
+        <a:xfrm>
+          <a:off x="0" y="0"/>
+          <a:ext cx="0" cy="0"/>
+          <a:chOff x="0" y="0"/>
+          <a:chExt cx="0" cy="0"/>
+        </a:xfrm>
+      </p:grpSpPr>
+      <p:sp>
+        <p:nvSpPr>
+          <p:cNvPr id="2" name="幻灯片图像占位符 1"/>
+          <p:cNvSpPr>
+            <a:spLocks noGrp="1" noRot="1" noChangeAspect="1"/>
+          </p:cNvSpPr>
+          <p:nvPr>
+            <p:ph type="sldImg"/>
+          </p:nvPr>
+        </p:nvSpPr>
+        <p:spPr/>
+      </p:sp>
+      <p:sp>
+        <p:nvSpPr>
+          <p:cNvPr id="3" name="备注占位符 2"/>
+          <p:cNvSpPr>
+            <a:spLocks noGrp="1"/>
+          </p:cNvSpPr>
+          <p:nvPr>
+            <p:ph type="body" idx="1"/>
+          </p:nvPr>
+        </p:nvSpPr>
+        <p:spPr/>
+        <p:txBody>
+          <a:bodyPr>
+            <a:normAutofit/>
+          </a:bodyPr>
+          <a:lstStyle/>
+          <a:p>
+            <a:r>
+              <a:rPr lang="en-US" altLang="zh-CN" dirty="0" smtClean="0"/>
+              <a:t>&lt;!-- jquery 2006 ; es5 2009 ; es6 2015; es8 2017 --&gt;</a:t>
+            </a:r>
+          </a:p>
+          <a:p>
+            <a:r>
+              <a:rPr lang="en-US" altLang="zh-CN" dirty="0" smtClean="0"/>
+              <a:t>&lt;!-- jQuery</a:t>
+            </a:r>
+            <a:r>
+              <a:rPr lang="zh-CN" altLang="en-US" dirty="0" smtClean="0"/>
+              <a:t>的劣势也非常明显，因为需要各种兼容所以代码显得特别重 </a:t>
+            </a:r>
+            <a:r>
+              <a:rPr lang="en-US" altLang="zh-CN" dirty="0" smtClean="0"/>
+              <a:t>--&gt;</a:t>
+            </a:r>
+          </a:p>
+          <a:p>
+            <a:r>
+              <a:rPr lang="en-US" altLang="zh-CN" dirty="0" smtClean="0"/>
+              <a:t>&lt;!-- </a:t>
+            </a:r>
+            <a:r>
+              <a:rPr lang="zh-CN" altLang="en-US" dirty="0" smtClean="0"/>
+              <a:t>另外就是全</a:t>
+            </a:r>
+            <a:r>
+              <a:rPr lang="en-US" altLang="zh-CN" dirty="0" smtClean="0"/>
+              <a:t>DOM</a:t>
+            </a:r>
+            <a:r>
+              <a:rPr lang="zh-CN" altLang="en-US" dirty="0" smtClean="0"/>
+              <a:t>操作，钩子往往会依赖标签，如果依赖</a:t>
+            </a:r>
+            <a:r>
+              <a:rPr lang="en-US" altLang="zh-CN" dirty="0" smtClean="0"/>
+              <a:t>jQuery</a:t>
+            </a:r>
+            <a:r>
+              <a:rPr lang="zh-CN" altLang="en-US" dirty="0" smtClean="0"/>
+              <a:t>来搭建页面的话（比如后台输出</a:t>
+            </a:r>
+            <a:r>
+              <a:rPr lang="en-US" altLang="zh-CN" dirty="0" smtClean="0"/>
+              <a:t>json</a:t>
+            </a:r>
+            <a:r>
+              <a:rPr lang="zh-CN" altLang="en-US" dirty="0" smtClean="0"/>
+              <a:t>，然后</a:t>
+            </a:r>
+            <a:r>
+              <a:rPr lang="en-US" altLang="zh-CN" dirty="0" smtClean="0"/>
+              <a:t>jQuery loop</a:t>
+            </a:r>
+            <a:r>
+              <a:rPr lang="zh-CN" altLang="en-US" dirty="0" smtClean="0"/>
+              <a:t>一个列表出来），维护上会有困难。如果一改页面结构，很多依赖标签的选择器，一改起来</a:t>
+            </a:r>
+            <a:r>
+              <a:rPr lang="en-US" altLang="zh-CN" dirty="0" smtClean="0"/>
+              <a:t>js</a:t>
+            </a:r>
+            <a:r>
+              <a:rPr lang="zh-CN" altLang="en-US" dirty="0" smtClean="0"/>
+              <a:t>那块就得跟着大改，代码维护成本高。随着业务复杂度的增加、</a:t>
+            </a:r>
+            <a:r>
+              <a:rPr lang="en-US" altLang="zh-CN" dirty="0" smtClean="0"/>
+              <a:t>jQuery</a:t>
+            </a:r>
+            <a:r>
+              <a:rPr lang="zh-CN" altLang="en-US" dirty="0" smtClean="0"/>
+              <a:t>写起来的项目复杂度是指数级增加的。</a:t>
+            </a:r>
+          </a:p>
+          <a:p>
+            <a:r>
+              <a:rPr lang="zh-CN" altLang="en-US" dirty="0" smtClean="0"/>
+              <a:t>频繁操作</a:t>
+            </a:r>
+            <a:r>
+              <a:rPr lang="en-US" altLang="zh-CN" dirty="0" smtClean="0"/>
+              <a:t>dom </a:t>
+            </a:r>
+            <a:r>
+              <a:rPr lang="zh-CN" altLang="en-US" dirty="0" smtClean="0"/>
+              <a:t>元素，性能问题。</a:t>
+            </a:r>
+            <a:endParaRPr lang="en-US" altLang="zh-CN" dirty="0" smtClean="0"/>
+          </a:p>
+          <a:p>
+            <a:endParaRPr lang="en-US" altLang="zh-CN" dirty="0" smtClean="0"/>
+          </a:p>
+          <a:p>
+            <a:r>
+              <a:rPr lang="en-US" altLang="zh-CN" sz="1200" b="0" i="0" kern="1200" dirty="0" smtClean="0">
+                <a:solidFill>
+                  <a:schemeClr val="tx1"/>
+                </a:solidFill>
+                <a:latin typeface="+mn-lt"/>
+                <a:ea typeface="+mn-ea"/>
+                <a:cs typeface="+mn-cs"/>
+              </a:rPr>
+              <a:t>jQuery + bootstrap </a:t>
+            </a:r>
+            <a:r>
+              <a:rPr lang="zh-CN" altLang="en-US" sz="1200" b="0" i="0" kern="1200" dirty="0" smtClean="0">
+                <a:solidFill>
+                  <a:schemeClr val="tx1"/>
+                </a:solidFill>
+                <a:latin typeface="+mn-lt"/>
+                <a:ea typeface="+mn-ea"/>
+                <a:cs typeface="+mn-cs"/>
+              </a:rPr>
+              <a:t>操作 </a:t>
+            </a:r>
+            <a:r>
+              <a:rPr lang="en-US" altLang="zh-CN" sz="1200" b="0" i="0" kern="1200" dirty="0" smtClean="0">
+                <a:solidFill>
+                  <a:schemeClr val="tx1"/>
+                </a:solidFill>
+                <a:latin typeface="+mn-lt"/>
+                <a:ea typeface="+mn-ea"/>
+                <a:cs typeface="+mn-cs"/>
+              </a:rPr>
+              <a:t>DOM </a:t>
+            </a:r>
+            <a:r>
+              <a:rPr lang="zh-CN" altLang="en-US" sz="1200" b="0" i="0" kern="1200" dirty="0" smtClean="0">
+                <a:solidFill>
+                  <a:schemeClr val="tx1"/>
+                </a:solidFill>
+                <a:latin typeface="+mn-lt"/>
+                <a:ea typeface="+mn-ea"/>
+                <a:cs typeface="+mn-cs"/>
+              </a:rPr>
+              <a:t>的方式直观，简便且强大，它们在客观上没有推动开发者了解和使用抽象程度更高的领域。包括但不限于数据结构，设计模式，数据流，抽象数据类型，抽象过程等。</a:t>
+            </a:r>
+            <a:endParaRPr lang="en-US" altLang="zh-CN" sz="1200" b="0" i="0" kern="1200" dirty="0" smtClean="0">
+              <a:solidFill>
+                <a:schemeClr val="tx1"/>
+              </a:solidFill>
+              <a:latin typeface="+mn-lt"/>
+              <a:ea typeface="+mn-ea"/>
+              <a:cs typeface="+mn-cs"/>
+            </a:endParaRPr>
+          </a:p>
+          <a:p>
+            <a:endParaRPr lang="en-US" altLang="zh-CN" dirty="0" smtClean="0"/>
+          </a:p>
+          <a:p>
+            <a:r>
+              <a:rPr lang="zh-CN" altLang="en-US" dirty="0" smtClean="0"/>
+              <a:t>而</a:t>
+            </a:r>
+            <a:r>
+              <a:rPr lang="en-US" altLang="zh-CN" dirty="0" err="1" smtClean="0"/>
+              <a:t>vue</a:t>
+            </a:r>
+            <a:r>
+              <a:rPr lang="zh-CN" altLang="en-US" dirty="0" smtClean="0"/>
+              <a:t>、</a:t>
+            </a:r>
+            <a:r>
+              <a:rPr lang="en-US" altLang="zh-CN" dirty="0" smtClean="0"/>
+              <a:t>react</a:t>
+            </a:r>
+            <a:r>
+              <a:rPr lang="zh-CN" altLang="en-US" dirty="0" smtClean="0"/>
+              <a:t>、</a:t>
+            </a:r>
+            <a:r>
+              <a:rPr lang="en-US" altLang="zh-CN" dirty="0" smtClean="0"/>
+              <a:t>ng</a:t>
+            </a:r>
+            <a:r>
+              <a:rPr lang="zh-CN" altLang="en-US" dirty="0" smtClean="0"/>
+              <a:t>等框架可以一定程度的抽象、再加上</a:t>
+            </a:r>
+            <a:r>
+              <a:rPr lang="en-US" altLang="zh-CN" dirty="0" err="1" smtClean="0"/>
+              <a:t>webpack</a:t>
+            </a:r>
+            <a:r>
+              <a:rPr lang="zh-CN" altLang="en-US" dirty="0" smtClean="0"/>
+              <a:t>、对于后面的维护、还有业务代码的扩展性是很方便的</a:t>
+            </a:r>
+          </a:p>
+        </p:txBody>
+      </p:sp>
+      <p:sp>
+        <p:nvSpPr>
+          <p:cNvPr id="4" name="灯片编号占位符 3"/>
+          <p:cNvSpPr>
+            <a:spLocks noGrp="1"/>
+          </p:cNvSpPr>
+          <p:nvPr>
+            <p:ph type="sldNum" sz="quarter" idx="10"/>
+          </p:nvPr>
+        </p:nvSpPr>
+        <p:spPr/>
+        <p:txBody>
+          <a:bodyPr/>
+          <a:lstStyle/>
+          <a:p>
+            <a:fld id="{1DDD7A27-0AF6-470B-8715-7973CBEE6DFD}" type="slidenum">
+              <a:rPr lang="zh-CN" altLang="en-US" smtClean="0"/>
+              <a:pPr/>
+              <a:t>13</a:t>
+            </a:fld>
+            <a:endParaRPr lang="zh-CN" altLang="en-US"/>
+          </a:p>
+        </p:txBody>
+      </p:sp>
+    </p:spTree>
+    <p:extLst>
+      <p:ext uri="{BB962C8B-B14F-4D97-AF65-F5344CB8AC3E}">
+        <p14:creationId xmlns:p14="http://schemas.microsoft.com/office/powerpoint/2010/main" xmlns="" val="76681666"/>
+      </p:ext>
+    </p:extLst>
+  </p:cSld>
+  <p:clrMapOvr>
+    <a:masterClrMapping/>
+  </p:clrMapOvr>
+</p:notes>
+</file>
+
+<file path=ppt/notesSlides/notesSlide7.xml><?xml version="1.0" encoding="utf-8"?>
+<p:notes xmlns:a="http://schemas.openxmlformats.org/drawingml/2006/main" xmlns:r="http://schemas.openxmlformats.org/officeDocument/2006/relationships" xmlns:p="http://schemas.openxmlformats.org/presentationml/2006/main">
+  <p:cSld>
+    <p:spTree>
+      <p:nvGrpSpPr>
+        <p:cNvPr id="1" name=""/>
+        <p:cNvGrpSpPr/>
+        <p:nvPr/>
+      </p:nvGrpSpPr>
+      <p:grpSpPr>
+        <a:xfrm>
+          <a:off x="0" y="0"/>
+          <a:ext cx="0" cy="0"/>
+          <a:chOff x="0" y="0"/>
+          <a:chExt cx="0" cy="0"/>
+        </a:xfrm>
+      </p:grpSpPr>
+      <p:sp>
+        <p:nvSpPr>
+          <p:cNvPr id="2" name="幻灯片图像占位符 1"/>
+          <p:cNvSpPr>
+            <a:spLocks noGrp="1" noRot="1" noChangeAspect="1"/>
+          </p:cNvSpPr>
+          <p:nvPr>
+            <p:ph type="sldImg"/>
+          </p:nvPr>
+        </p:nvSpPr>
+        <p:spPr/>
+      </p:sp>
+      <p:sp>
+        <p:nvSpPr>
+          <p:cNvPr id="3" name="备注占位符 2"/>
+          <p:cNvSpPr>
+            <a:spLocks noGrp="1"/>
+          </p:cNvSpPr>
+          <p:nvPr>
+            <p:ph type="body" idx="1"/>
+          </p:nvPr>
+        </p:nvSpPr>
+        <p:spPr/>
+        <p:txBody>
+          <a:bodyPr>
+            <a:normAutofit/>
+          </a:bodyPr>
+          <a:lstStyle/>
+          <a:p>
+            <a:pPr marL="0" marR="0" indent="0" algn="l" defTabSz="914400" rtl="0" eaLnBrk="1" fontAlgn="auto" latinLnBrk="0" hangingPunct="1">
+              <a:lnSpc>
+                <a:spcPct val="100000"/>
+              </a:lnSpc>
+              <a:spcBef>
+                <a:spcPts val="0"/>
+              </a:spcBef>
+              <a:spcAft>
+                <a:spcPts val="0"/>
+              </a:spcAft>
+              <a:buClrTx/>
+              <a:buSzTx/>
+              <a:buFontTx/>
+              <a:buNone/>
+              <a:tabLst/>
+              <a:defRPr/>
+            </a:pPr>
+            <a:r>
+              <a:rPr lang="en-US" altLang="zh-CN" sz="1200" dirty="0" smtClean="0"/>
+              <a:t>Vue.js</a:t>
+            </a:r>
+            <a:r>
+              <a:rPr lang="zh-CN" altLang="en-US" sz="1200" dirty="0" smtClean="0"/>
+              <a:t>是数据驱动的，你无需手动操作</a:t>
+            </a:r>
+            <a:r>
+              <a:rPr lang="en-US" altLang="zh-CN" sz="1200" dirty="0" smtClean="0"/>
+              <a:t>DOM</a:t>
+            </a:r>
+            <a:r>
+              <a:rPr lang="zh-CN" altLang="en-US" sz="1200" dirty="0" smtClean="0"/>
+              <a:t>。它通过一些特殊的</a:t>
+            </a:r>
+            <a:r>
+              <a:rPr lang="en-US" altLang="zh-CN" sz="1200" dirty="0" smtClean="0"/>
+              <a:t>HTML</a:t>
+            </a:r>
+            <a:r>
+              <a:rPr lang="zh-CN" altLang="en-US" sz="1200" dirty="0" smtClean="0"/>
+              <a:t>语法，将</a:t>
+            </a:r>
+            <a:r>
+              <a:rPr lang="en-US" altLang="zh-CN" sz="1200" dirty="0" smtClean="0"/>
+              <a:t>DOM</a:t>
+            </a:r>
+            <a:r>
+              <a:rPr lang="zh-CN" altLang="en-US" sz="1200" dirty="0" smtClean="0"/>
+              <a:t>和数据绑定起来。一旦你创建了绑定，</a:t>
+            </a:r>
+            <a:r>
+              <a:rPr lang="en-US" altLang="zh-CN" sz="1200" dirty="0" smtClean="0"/>
+              <a:t>DOM</a:t>
+            </a:r>
+            <a:r>
+              <a:rPr lang="zh-CN" altLang="en-US" sz="1200" dirty="0" smtClean="0"/>
+              <a:t>将和数据保持同步，每当变更了数据，</a:t>
+            </a:r>
+            <a:r>
+              <a:rPr lang="en-US" altLang="zh-CN" sz="1200" dirty="0" smtClean="0"/>
+              <a:t>DOM</a:t>
+            </a:r>
+            <a:r>
+              <a:rPr lang="zh-CN" altLang="en-US" sz="1200" dirty="0" smtClean="0"/>
+              <a:t>也会相应地更新。</a:t>
+            </a:r>
+            <a:endParaRPr lang="en-US" altLang="zh-CN" sz="1200" dirty="0" smtClean="0"/>
+          </a:p>
+          <a:p>
+            <a:pPr marL="0" marR="0" indent="0" algn="l" defTabSz="914400" rtl="0" eaLnBrk="1" fontAlgn="auto" latinLnBrk="0" hangingPunct="1">
+              <a:lnSpc>
+                <a:spcPct val="100000"/>
+              </a:lnSpc>
+              <a:spcBef>
+                <a:spcPts val="0"/>
+              </a:spcBef>
+              <a:spcAft>
+                <a:spcPts val="0"/>
+              </a:spcAft>
+              <a:buClrTx/>
+              <a:buSzTx/>
+              <a:buFontTx/>
+              <a:buNone/>
+              <a:tabLst/>
+              <a:defRPr/>
+            </a:pPr>
+            <a:endParaRPr lang="zh-CN" altLang="en-US" sz="1200" dirty="0" smtClean="0"/>
+          </a:p>
+          <a:p>
+            <a:r>
+              <a:rPr lang="zh-CN" altLang="en-US" dirty="0" smtClean="0"/>
+              <a:t>其和</a:t>
+            </a:r>
+            <a:r>
+              <a:rPr lang="en-US" altLang="zh-CN" dirty="0" smtClean="0"/>
+              <a:t>jQuery</a:t>
+            </a:r>
+            <a:r>
+              <a:rPr lang="zh-CN" altLang="en-US" dirty="0" smtClean="0"/>
+              <a:t>最大的不同点在于</a:t>
+            </a:r>
+            <a:r>
+              <a:rPr lang="en-US" altLang="zh-CN" dirty="0" smtClean="0"/>
+              <a:t>jQuery</a:t>
+            </a:r>
+            <a:r>
+              <a:rPr lang="zh-CN" altLang="en-US" dirty="0" smtClean="0"/>
+              <a:t>通过操作</a:t>
+            </a:r>
+            <a:r>
+              <a:rPr lang="en-US" altLang="zh-CN" dirty="0" smtClean="0"/>
+              <a:t>DOM</a:t>
+            </a:r>
+            <a:r>
+              <a:rPr lang="zh-CN" altLang="en-US" dirty="0" smtClean="0"/>
+              <a:t>来改变页面的显示，而</a:t>
+            </a:r>
+            <a:r>
+              <a:rPr lang="en-US" altLang="zh-CN" dirty="0" smtClean="0"/>
+              <a:t>Vue</a:t>
+            </a:r>
+            <a:r>
+              <a:rPr lang="zh-CN" altLang="en-US" dirty="0" smtClean="0"/>
+              <a:t>通过操作数据来实现页面的更新与展示。</a:t>
+            </a:r>
+            <a:endParaRPr lang="zh-CN" altLang="en-US" dirty="0"/>
+          </a:p>
+        </p:txBody>
+      </p:sp>
+      <p:sp>
+        <p:nvSpPr>
+          <p:cNvPr id="4" name="灯片编号占位符 3"/>
+          <p:cNvSpPr>
+            <a:spLocks noGrp="1"/>
+          </p:cNvSpPr>
+          <p:nvPr>
+            <p:ph type="sldNum" sz="quarter" idx="10"/>
+          </p:nvPr>
+        </p:nvSpPr>
+        <p:spPr/>
+        <p:txBody>
+          <a:bodyPr/>
+          <a:lstStyle/>
+          <a:p>
+            <a:fld id="{1DDD7A27-0AF6-470B-8715-7973CBEE6DFD}" type="slidenum">
+              <a:rPr lang="zh-CN" altLang="en-US" smtClean="0"/>
+              <a:pPr/>
+              <a:t>14</a:t>
+            </a:fld>
+            <a:endParaRPr lang="zh-CN" altLang="en-US"/>
+          </a:p>
+        </p:txBody>
+      </p:sp>
+    </p:spTree>
+    <p:extLst>
+      <p:ext uri="{BB962C8B-B14F-4D97-AF65-F5344CB8AC3E}">
+        <p14:creationId xmlns:p14="http://schemas.microsoft.com/office/powerpoint/2010/main" xmlns="" val="3557241089"/>
+      </p:ext>
+    </p:extLst>
+  </p:cSld>
+  <p:clrMapOvr>
+    <a:masterClrMapping/>
+  </p:clrMapOvr>
+</p:notes>
+</file>
+
+<file path=ppt/notesSlides/notesSlide8.xml><?xml version="1.0" encoding="utf-8"?>
+<p:notes xmlns:a="http://schemas.openxmlformats.org/drawingml/2006/main" xmlns:r="http://schemas.openxmlformats.org/officeDocument/2006/relationships" xmlns:p="http://schemas.openxmlformats.org/presentationml/2006/main">
+  <p:cSld>
+    <p:spTree>
+      <p:nvGrpSpPr>
+        <p:cNvPr id="1" name=""/>
+        <p:cNvGrpSpPr/>
+        <p:nvPr/>
+      </p:nvGrpSpPr>
+      <p:grpSpPr>
+        <a:xfrm>
+          <a:off x="0" y="0"/>
+          <a:ext cx="0" cy="0"/>
+          <a:chOff x="0" y="0"/>
+          <a:chExt cx="0" cy="0"/>
+        </a:xfrm>
+      </p:grpSpPr>
+      <p:sp>
+        <p:nvSpPr>
+          <p:cNvPr id="2" name="幻灯片图像占位符 1"/>
+          <p:cNvSpPr>
+            <a:spLocks noGrp="1" noRot="1" noChangeAspect="1"/>
+          </p:cNvSpPr>
+          <p:nvPr>
+            <p:ph type="sldImg"/>
+          </p:nvPr>
+        </p:nvSpPr>
+        <p:spPr/>
+      </p:sp>
+      <p:sp>
+        <p:nvSpPr>
+          <p:cNvPr id="3" name="备注占位符 2"/>
+          <p:cNvSpPr>
+            <a:spLocks noGrp="1"/>
+          </p:cNvSpPr>
+          <p:nvPr>
+            <p:ph type="body" idx="1"/>
+          </p:nvPr>
+        </p:nvSpPr>
+        <p:spPr/>
+        <p:txBody>
+          <a:bodyPr>
+            <a:normAutofit/>
+          </a:bodyPr>
+          <a:lstStyle/>
+          <a:p>
+            <a:endParaRPr lang="zh-CN" altLang="en-US" dirty="0"/>
+          </a:p>
+        </p:txBody>
+      </p:sp>
+      <p:sp>
+        <p:nvSpPr>
+          <p:cNvPr id="4" name="灯片编号占位符 3"/>
+          <p:cNvSpPr>
+            <a:spLocks noGrp="1"/>
+          </p:cNvSpPr>
+          <p:nvPr>
+            <p:ph type="sldNum" sz="quarter" idx="10"/>
+          </p:nvPr>
+        </p:nvSpPr>
+        <p:spPr/>
+        <p:txBody>
+          <a:bodyPr/>
+          <a:lstStyle/>
+          <a:p>
+            <a:fld id="{1DDD7A27-0AF6-470B-8715-7973CBEE6DFD}" type="slidenum">
+              <a:rPr lang="zh-CN" altLang="en-US" smtClean="0"/>
+              <a:pPr/>
               <a:t>16</a:t>
+            </a:fld>
+            <a:endParaRPr lang="zh-CN" altLang="en-US"/>
+          </a:p>
+        </p:txBody>
+      </p:sp>
+    </p:spTree>
+    <p:extLst>
+      <p:ext uri="{BB962C8B-B14F-4D97-AF65-F5344CB8AC3E}">
+        <p14:creationId xmlns:p14="http://schemas.microsoft.com/office/powerpoint/2010/main" xmlns="" val="2653303857"/>
+      </p:ext>
+    </p:extLst>
+  </p:cSld>
+  <p:clrMapOvr>
+    <a:masterClrMapping/>
+  </p:clrMapOvr>
+</p:notes>
+</file>
+
+<file path=ppt/notesSlides/notesSlide9.xml><?xml version="1.0" encoding="utf-8"?>
+<p:notes xmlns:a="http://schemas.openxmlformats.org/drawingml/2006/main" xmlns:r="http://schemas.openxmlformats.org/officeDocument/2006/relationships" xmlns:p="http://schemas.openxmlformats.org/presentationml/2006/main">
+  <p:cSld>
+    <p:spTree>
+      <p:nvGrpSpPr>
+        <p:cNvPr id="1" name=""/>
+        <p:cNvGrpSpPr/>
+        <p:nvPr/>
+      </p:nvGrpSpPr>
+      <p:grpSpPr>
+        <a:xfrm>
+          <a:off x="0" y="0"/>
+          <a:ext cx="0" cy="0"/>
+          <a:chOff x="0" y="0"/>
+          <a:chExt cx="0" cy="0"/>
+        </a:xfrm>
+      </p:grpSpPr>
+      <p:sp>
+        <p:nvSpPr>
+          <p:cNvPr id="2" name="幻灯片图像占位符 1"/>
+          <p:cNvSpPr>
+            <a:spLocks noGrp="1" noRot="1" noChangeAspect="1"/>
+          </p:cNvSpPr>
+          <p:nvPr>
+            <p:ph type="sldImg"/>
+          </p:nvPr>
+        </p:nvSpPr>
+        <p:spPr/>
+      </p:sp>
+      <p:sp>
+        <p:nvSpPr>
+          <p:cNvPr id="3" name="备注占位符 2"/>
+          <p:cNvSpPr>
+            <a:spLocks noGrp="1"/>
+          </p:cNvSpPr>
+          <p:nvPr>
+            <p:ph type="body" idx="1"/>
+          </p:nvPr>
+        </p:nvSpPr>
+        <p:spPr/>
+        <p:txBody>
+          <a:bodyPr>
+            <a:normAutofit/>
+          </a:bodyPr>
+          <a:lstStyle/>
+          <a:p>
+            <a:endParaRPr lang="zh-CN" altLang="en-US"/>
+          </a:p>
+        </p:txBody>
+      </p:sp>
+      <p:sp>
+        <p:nvSpPr>
+          <p:cNvPr id="4" name="灯片编号占位符 3"/>
+          <p:cNvSpPr>
+            <a:spLocks noGrp="1"/>
+          </p:cNvSpPr>
+          <p:nvPr>
+            <p:ph type="sldNum" sz="quarter" idx="10"/>
+          </p:nvPr>
+        </p:nvSpPr>
+        <p:spPr/>
+        <p:txBody>
+          <a:bodyPr/>
+          <a:lstStyle/>
+          <a:p>
+            <a:fld id="{1DDD7A27-0AF6-470B-8715-7973CBEE6DFD}" type="slidenum">
+              <a:rPr lang="zh-CN" altLang="en-US" smtClean="0"/>
+              <a:pPr/>
+              <a:t>17</a:t>
             </a:fld>
             <a:endParaRPr lang="zh-CN" altLang="en-US"/>
           </a:p>
@@ -4644,8 +5402,59 @@
             </a:r>
             <a:r>
               <a:rPr lang="zh-CN" altLang="en-US" sz="2400" dirty="0" smtClean="0"/>
-              <a:t>元素，性能问题。</a:t>
-            </a:r>
+              <a:t>元素，性能问题</a:t>
+            </a:r>
+            <a:r>
+              <a:rPr lang="zh-CN" altLang="en-US" sz="2400" dirty="0" smtClean="0"/>
+              <a:t>。</a:t>
+            </a:r>
+            <a:endParaRPr lang="en-US" altLang="zh-CN" sz="2400" dirty="0" smtClean="0"/>
+          </a:p>
+          <a:p>
+            <a:endParaRPr lang="en-US" altLang="zh-CN" sz="2400" dirty="0" smtClean="0"/>
+          </a:p>
+          <a:p>
+            <a:pPr>
+              <a:buNone/>
+            </a:pPr>
+            <a:r>
+              <a:rPr lang="en-US" altLang="zh-CN" sz="2400" dirty="0" smtClean="0"/>
+              <a:t>	jQuery  </a:t>
+            </a:r>
+            <a:r>
+              <a:rPr lang="zh-CN" altLang="en-US" sz="2400" dirty="0" smtClean="0"/>
+              <a:t>操</a:t>
+            </a:r>
+            <a:r>
+              <a:rPr lang="zh-CN" altLang="en-US" sz="2400" dirty="0" smtClean="0"/>
+              <a:t>作 </a:t>
+            </a:r>
+            <a:r>
+              <a:rPr lang="en-US" altLang="zh-CN" sz="2400" dirty="0" smtClean="0"/>
+              <a:t>DOM </a:t>
+            </a:r>
+            <a:r>
+              <a:rPr lang="zh-CN" altLang="en-US" sz="2400" dirty="0" smtClean="0"/>
+              <a:t>的方式直观，简便且强</a:t>
+            </a:r>
+            <a:r>
+              <a:rPr lang="zh-CN" altLang="en-US" sz="2400" dirty="0" smtClean="0"/>
+              <a:t>大。但是，</a:t>
+            </a:r>
+            <a:r>
+              <a:rPr lang="zh-CN" altLang="en-US" sz="2400" b="1" dirty="0" smtClean="0"/>
+              <a:t>它们</a:t>
+            </a:r>
+            <a:r>
+              <a:rPr lang="zh-CN" altLang="en-US" sz="2400" b="1" dirty="0" smtClean="0"/>
+              <a:t>在客观上没有推动开发者了解和使用抽象程度更高的领域。包括但不限于数据结构，设计模式，数据流，抽象数据类型，抽象过程等。</a:t>
+            </a:r>
+            <a:endParaRPr lang="en-US" altLang="zh-CN" sz="2400" b="1" dirty="0" smtClean="0"/>
+          </a:p>
+          <a:p>
+            <a:pPr>
+              <a:buNone/>
+            </a:pPr>
             <a:endParaRPr lang="zh-CN" altLang="en-US" sz="2400" dirty="0"/>
           </a:p>
         </p:txBody>
@@ -4765,7 +5574,33 @@
           <a:p>
             <a:r>
               <a:rPr lang="zh-CN" altLang="en-US" sz="2400" dirty="0" smtClean="0"/>
-              <a:t>简单轻量，易维护</a:t>
+              <a:t>简单轻量，易维</a:t>
+            </a:r>
+            <a:r>
+              <a:rPr lang="zh-CN" altLang="en-US" sz="2400" dirty="0" smtClean="0"/>
+              <a:t>护</a:t>
+            </a:r>
+            <a:endParaRPr lang="en-US" altLang="zh-CN" sz="2400" dirty="0" smtClean="0"/>
+          </a:p>
+          <a:p>
+            <a:r>
+              <a:rPr lang="zh-CN" altLang="en-US" sz="2400" dirty="0" smtClean="0"/>
+              <a:t>高</a:t>
+            </a:r>
+            <a:r>
+              <a:rPr lang="zh-CN" altLang="en-US" sz="2400" dirty="0" smtClean="0"/>
+              <a:t>度抽象，可读性</a:t>
+            </a:r>
+            <a:endParaRPr lang="en-US" altLang="zh-CN" sz="2400" dirty="0" smtClean="0"/>
+          </a:p>
+          <a:p>
+            <a:r>
+              <a:rPr lang="zh-CN" altLang="en-US" sz="2400" dirty="0" smtClean="0"/>
+              <a:t>开</a:t>
+            </a:r>
+            <a:r>
+              <a:rPr lang="zh-CN" altLang="en-US" sz="2400" dirty="0" smtClean="0"/>
+              <a:t>发效率</a:t>
             </a:r>
             <a:r>
               <a:rPr lang="en-US" altLang="zh-CN" sz="2400" dirty="0" smtClean="0"/>
@@ -4852,7 +5687,136 @@
   <p:timing>
     <p:tnLst>
       <p:par>
-        <p:cTn id="1" dur="indefinite" restart="never" nodeType="tmRoot"/>
+        <p:cTn id="1" dur="indefinite" restart="never" nodeType="tmRoot">
+          <p:childTnLst>
+            <p:seq concurrent="1" nextAc="seek">
+              <p:cTn id="2" dur="indefinite" nodeType="mainSeq">
+                <p:childTnLst>
+                  <p:par>
+                    <p:cTn id="3" fill="hold">
+                      <p:stCondLst>
+                        <p:cond delay="indefinite"/>
+                      </p:stCondLst>
+                      <p:childTnLst>
+                        <p:par>
+                          <p:cTn id="4" fill="hold">
+                            <p:stCondLst>
+                              <p:cond delay="0"/>
+                            </p:stCondLst>
+                            <p:childTnLst>
+                              <p:par>
+                                <p:cTn id="5" presetID="9" presetClass="entr" presetSubtype="0" fill="hold" nodeType="clickEffect">
+                                  <p:stCondLst>
+                                    <p:cond delay="0"/>
+                                  </p:stCondLst>
+                                  <p:childTnLst>
+                                    <p:set>
+                                      <p:cBhvr>
+                                        <p:cTn id="6" dur="1" fill="hold">
+                                          <p:stCondLst>
+                                            <p:cond delay="0"/>
+                                          </p:stCondLst>
+                                        </p:cTn>
+                                        <p:tgtEl>
+                                          <p:spTgt spid="3078"/>
+                                        </p:tgtEl>
+                                        <p:attrNameLst>
+                                          <p:attrName>style.visibility</p:attrName>
+                                        </p:attrNameLst>
+                                      </p:cBhvr>
+                                      <p:to>
+                                        <p:strVal val="visible"/>
+                                      </p:to>
+                                    </p:set>
+                                    <p:animEffect transition="in" filter="dissolve">
+                                      <p:cBhvr>
+                                        <p:cTn id="7" dur="500"/>
+                                        <p:tgtEl>
+                                          <p:spTgt spid="3078"/>
+                                        </p:tgtEl>
+                                      </p:cBhvr>
+                                    </p:animEffect>
+                                  </p:childTnLst>
+                                </p:cTn>
+                              </p:par>
+                            </p:childTnLst>
+                          </p:cTn>
+                        </p:par>
+                      </p:childTnLst>
+                    </p:cTn>
+                  </p:par>
+                  <p:par>
+                    <p:cTn id="8" fill="hold">
+                      <p:stCondLst>
+                        <p:cond delay="indefinite"/>
+                      </p:stCondLst>
+                      <p:childTnLst>
+                        <p:par>
+                          <p:cTn id="9" fill="hold">
+                            <p:stCondLst>
+                              <p:cond delay="0"/>
+                            </p:stCondLst>
+                            <p:childTnLst>
+                              <p:par>
+                                <p:cTn id="10" presetID="9" presetClass="entr" presetSubtype="0" fill="hold" nodeType="clickEffect">
+                                  <p:stCondLst>
+                                    <p:cond delay="0"/>
+                                  </p:stCondLst>
+                                  <p:childTnLst>
+                                    <p:set>
+                                      <p:cBhvr>
+                                        <p:cTn id="11" dur="1" fill="hold">
+                                          <p:stCondLst>
+                                            <p:cond delay="0"/>
+                                          </p:stCondLst>
+                                        </p:cTn>
+                                        <p:tgtEl>
+                                          <p:spTgt spid="3075"/>
+                                        </p:tgtEl>
+                                        <p:attrNameLst>
+                                          <p:attrName>style.visibility</p:attrName>
+                                        </p:attrNameLst>
+                                      </p:cBhvr>
+                                      <p:to>
+                                        <p:strVal val="visible"/>
+                                      </p:to>
+                                    </p:set>
+                                    <p:animEffect transition="in" filter="dissolve">
+                                      <p:cBhvr>
+                                        <p:cTn id="12" dur="500"/>
+                                        <p:tgtEl>
+                                          <p:spTgt spid="3075"/>
+                                        </p:tgtEl>
+                                      </p:cBhvr>
+                                    </p:animEffect>
+                                  </p:childTnLst>
+                                </p:cTn>
+                              </p:par>
+                            </p:childTnLst>
+                          </p:cTn>
+                        </p:par>
+                      </p:childTnLst>
+                    </p:cTn>
+                  </p:par>
+                </p:childTnLst>
+              </p:cTn>
+              <p:prevCondLst>
+                <p:cond evt="onPrev" delay="0">
+                  <p:tgtEl>
+                    <p:sldTgt/>
+                  </p:tgtEl>
+                </p:cond>
+              </p:prevCondLst>
+              <p:nextCondLst>
+                <p:cond evt="onNext" delay="0">
+                  <p:tgtEl>
+                    <p:sldTgt/>
+                  </p:tgtEl>
+                </p:cond>
+              </p:nextCondLst>
+            </p:seq>
+          </p:childTnLst>
+        </p:cTn>
       </p:par>
     </p:tnLst>
   </p:timing>
@@ -5164,7 +6128,7 @@
           <p:nvPr/>
         </p:nvPicPr>
         <p:blipFill>
-          <a:blip r:embed="rId2" cstate="print"/>
+          <a:blip r:embed="rId3" cstate="print"/>
           <a:srcRect/>
           <a:stretch>
             <a:fillRect/>
@@ -5246,7 +6210,7 @@
       </p:sp>
       <p:sp>
         <p:nvSpPr>
-          <p:cNvPr id="3" name="内容占位符 2"/>
+          <p:cNvPr id="9" name="内容占位符 8"/>
           <p:cNvSpPr>
             <a:spLocks noGrp="1"/>
           </p:cNvSpPr>
@@ -5256,15 +6220,37 @@
         </p:nvSpPr>
         <p:spPr/>
         <p:txBody>
-          <a:bodyPr>
-            <a:normAutofit/>
-          </a:bodyPr>
-          <a:lstStyle/>
-          <a:p>
-            <a:endParaRPr lang="zh-CN" altLang="en-US" sz="2400" dirty="0"/>
-          </a:p>
-        </p:txBody>
-      </p:sp>
+          <a:bodyPr/>
+          <a:lstStyle/>
+          <a:p>
+            <a:endParaRPr lang="zh-CN" altLang="en-US"/>
+          </a:p>
+        </p:txBody>
+      </p:sp>
+      <p:pic>
+        <p:nvPicPr>
+          <p:cNvPr id="10" name="图片 9"/>
+          <p:cNvPicPr>
+            <a:picLocks noChangeAspect="1"/>
+          </p:cNvPicPr>
+          <p:nvPr/>
+        </p:nvPicPr>
+        <p:blipFill>
+          <a:blip r:embed="rId2" cstate="print"/>
+          <a:stretch>
+            <a:fillRect/>
+          </a:stretch>
+        </p:blipFill>
+        <p:spPr>
+          <a:xfrm>
+            <a:off x="0" y="1357298"/>
+            <a:ext cx="9145214" cy="5474059"/>
+          </a:xfrm>
+          <a:prstGeom prst="rect">
+            <a:avLst/>
+          </a:prstGeom>
+        </p:spPr>
+      </p:pic>
     </p:spTree>
   </p:cSld>
   <p:clrMapOvr>
@@ -6515,10 +7501,50 @@
           </a:bodyPr>
           <a:lstStyle/>
           <a:p>
+            <a:pPr marL="457200" indent="-457200">
+              <a:buNone/>
+            </a:pPr>
             <a:r>
               <a:rPr lang="zh-CN" altLang="en-US" sz="2400" dirty="0" smtClean="0"/>
-              <a:t>前后端耦合</a:t>
-            </a:r>
+              <a:t>以后端为主的 </a:t>
+            </a:r>
+            <a:r>
+              <a:rPr lang="en-US" altLang="zh-CN" sz="2400" dirty="0" smtClean="0"/>
+              <a:t>MVC </a:t>
+            </a:r>
+            <a:r>
+              <a:rPr lang="zh-CN" altLang="en-US" sz="2400" dirty="0" smtClean="0"/>
+              <a:t>架构方式，是通过后端模板引擎，渲染生成</a:t>
+            </a:r>
+            <a:r>
+              <a:rPr lang="en-US" altLang="zh-CN" sz="2400" dirty="0" smtClean="0"/>
+              <a:t>HTML</a:t>
+            </a:r>
+            <a:r>
+              <a:rPr lang="zh-CN" altLang="en-US" sz="2400" dirty="0" smtClean="0"/>
+              <a:t>之后，返回给浏览器。</a:t>
+            </a:r>
+            <a:endParaRPr lang="en-US" altLang="zh-CN" sz="2400" dirty="0" smtClean="0"/>
+          </a:p>
+          <a:p>
+            <a:endParaRPr lang="en-US" altLang="zh-CN" sz="2400" dirty="0" smtClean="0"/>
+          </a:p>
+          <a:p>
+            <a:r>
+              <a:rPr lang="zh-CN" altLang="en-US" sz="2400" dirty="0" smtClean="0"/>
+              <a:t>前</a:t>
+            </a:r>
+            <a:r>
+              <a:rPr lang="zh-CN" altLang="en-US" sz="2400" dirty="0" smtClean="0"/>
+              <a:t>后端耦</a:t>
+            </a:r>
+            <a:r>
+              <a:rPr lang="zh-CN" altLang="en-US" sz="2400" dirty="0" smtClean="0"/>
+              <a:t>合</a:t>
+            </a:r>
+            <a:endParaRPr lang="en-US" altLang="zh-CN" sz="2400" dirty="0" smtClean="0"/>
+          </a:p>
+          <a:p>
             <a:endParaRPr lang="en-US" altLang="zh-CN" sz="2400" dirty="0" smtClean="0"/>
           </a:p>
           <a:p>
